--- a/개인_과제_발표/2주차_발표.pptx
+++ b/개인_과제_발표/2주차_발표.pptx
@@ -5963,7 +5963,7 @@
         </p:blipFill>
         <p:spPr>
           <a:xfrm>
-            <a:off x="5834029" y="1224313"/>
+            <a:off x="5840292" y="267702"/>
             <a:ext cx="5930079" cy="709939"/>
           </a:xfrm>
           <a:prstGeom prst="rect">
@@ -5993,7 +5993,7 @@
         </p:blipFill>
         <p:spPr>
           <a:xfrm>
-            <a:off x="6096000" y="2138944"/>
+            <a:off x="6016978" y="1326144"/>
             <a:ext cx="4900340" cy="2588552"/>
           </a:xfrm>
           <a:prstGeom prst="rect">
@@ -6089,6 +6089,263 @@
               <a:rPr lang="en-US" altLang="ko-KR" dirty="0"/>
               <a:t>)</a:t>
             </a:r>
+            <a:endParaRPr lang="ko-KR" altLang="en-US" dirty="0"/>
+          </a:p>
+        </p:txBody>
+      </p:sp>
+      <p:sp>
+        <p:nvSpPr>
+          <p:cNvPr id="4" name="TextBox 3">
+            <a:extLst>
+              <a:ext uri="{FF2B5EF4-FFF2-40B4-BE49-F238E27FC236}">
+                <a16:creationId xmlns:a16="http://schemas.microsoft.com/office/drawing/2014/main" id="{747C6673-2C93-48D4-B307-59B31A3FEBEA}"/>
+              </a:ext>
+            </a:extLst>
+          </p:cNvPr>
+          <p:cNvSpPr txBox="1"/>
+          <p:nvPr/>
+        </p:nvSpPr>
+        <p:spPr>
+          <a:xfrm>
+            <a:off x="0" y="1136377"/>
+            <a:ext cx="11118574" cy="4801314"/>
+          </a:xfrm>
+          <a:prstGeom prst="rect">
+            <a:avLst/>
+          </a:prstGeom>
+          <a:noFill/>
+        </p:spPr>
+        <p:txBody>
+          <a:bodyPr wrap="square">
+            <a:spAutoFit/>
+          </a:bodyPr>
+          <a:lstStyle/>
+          <a:p>
+            <a:r>
+              <a:rPr lang="en-US" altLang="ko-KR" dirty="0"/>
+              <a:t>https://www.tensorflow.org/install/source#tested_build_configurations</a:t>
+            </a:r>
+          </a:p>
+          <a:p>
+            <a:r>
+              <a:rPr lang="en-US" altLang="ko-KR" dirty="0"/>
+              <a:t>.</a:t>
+            </a:r>
+            <a:r>
+              <a:rPr lang="en-US" altLang="ko-KR" dirty="0" err="1"/>
+              <a:t>cuda</a:t>
+            </a:r>
+            <a:r>
+              <a:rPr lang="en-US" altLang="ko-KR" dirty="0"/>
+              <a:t> – </a:t>
+            </a:r>
+            <a:r>
+              <a:rPr lang="en-US" altLang="ko-KR" dirty="0" err="1"/>
+              <a:t>gpu</a:t>
+            </a:r>
+            <a:r>
+              <a:rPr lang="en-US" altLang="ko-KR" dirty="0"/>
+              <a:t> </a:t>
+            </a:r>
+            <a:r>
+              <a:rPr lang="ko-KR" altLang="en-US" dirty="0"/>
+              <a:t>버전 확인 해야함</a:t>
+            </a:r>
+            <a:endParaRPr lang="en-US" altLang="ko-KR" dirty="0"/>
+          </a:p>
+          <a:p>
+            <a:endParaRPr lang="en-US" altLang="ko-KR" dirty="0"/>
+          </a:p>
+          <a:p>
+            <a:r>
+              <a:rPr lang="en-US" altLang="ko-KR" dirty="0"/>
+              <a:t>Quantization – </a:t>
+            </a:r>
+            <a:r>
+              <a:rPr lang="ko-KR" altLang="en-US" dirty="0"/>
+              <a:t>가능 버전 확인 해보기</a:t>
+            </a:r>
+            <a:r>
+              <a:rPr lang="en-US" altLang="ko-KR" dirty="0"/>
+              <a:t>,  2 </a:t>
+            </a:r>
+            <a:r>
+              <a:rPr lang="ko-KR" altLang="en-US" dirty="0" err="1"/>
+              <a:t>점대</a:t>
+            </a:r>
+            <a:r>
+              <a:rPr lang="ko-KR" altLang="en-US" dirty="0"/>
+              <a:t> 이상 가능</a:t>
+            </a:r>
+            <a:endParaRPr lang="en-US" altLang="ko-KR" dirty="0"/>
+          </a:p>
+          <a:p>
+            <a:r>
+              <a:rPr lang="en-US" altLang="ko-KR" dirty="0" err="1"/>
+              <a:t>Cuda</a:t>
+            </a:r>
+            <a:r>
+              <a:rPr lang="en-US" altLang="ko-KR" dirty="0"/>
+              <a:t> 10.0 </a:t>
+            </a:r>
+            <a:r>
+              <a:rPr lang="ko-KR" altLang="en-US" dirty="0"/>
+              <a:t>부터 가능 하기는 함  </a:t>
+            </a:r>
+            <a:r>
+              <a:rPr lang="en-US" altLang="ko-KR" dirty="0"/>
+              <a:t>(2.4 </a:t>
+            </a:r>
+            <a:r>
+              <a:rPr lang="ko-KR" altLang="en-US" dirty="0"/>
+              <a:t>부터 안정적이기는 해서 </a:t>
+            </a:r>
+            <a:r>
+              <a:rPr lang="en-US" altLang="ko-KR" dirty="0"/>
+              <a:t>2.4 </a:t>
+            </a:r>
+            <a:r>
+              <a:rPr lang="ko-KR" altLang="en-US" dirty="0"/>
+              <a:t>이상 </a:t>
+            </a:r>
+            <a:r>
+              <a:rPr lang="en-US" altLang="ko-KR" dirty="0"/>
+              <a:t>– </a:t>
+            </a:r>
+            <a:r>
+              <a:rPr lang="ko-KR" altLang="en-US" dirty="0"/>
+              <a:t>즉 </a:t>
+            </a:r>
+            <a:r>
+              <a:rPr lang="en-US" altLang="ko-KR" dirty="0" err="1"/>
+              <a:t>cuda</a:t>
+            </a:r>
+            <a:r>
+              <a:rPr lang="en-US" altLang="ko-KR" dirty="0"/>
+              <a:t> 11 </a:t>
+            </a:r>
+            <a:r>
+              <a:rPr lang="ko-KR" altLang="en-US" dirty="0"/>
+              <a:t>이상이면 좋음</a:t>
+            </a:r>
+            <a:r>
+              <a:rPr lang="en-US" altLang="ko-KR" dirty="0"/>
+              <a:t>)</a:t>
+            </a:r>
+          </a:p>
+          <a:p>
+            <a:endParaRPr lang="en-US" altLang="ko-KR" dirty="0"/>
+          </a:p>
+          <a:p>
+            <a:r>
+              <a:rPr lang="en-US" altLang="ko-KR" dirty="0"/>
+              <a:t>Python – </a:t>
+            </a:r>
+            <a:r>
+              <a:rPr lang="en-US" altLang="ko-KR" dirty="0" err="1"/>
+              <a:t>tensrflow</a:t>
+            </a:r>
+            <a:r>
+              <a:rPr lang="en-US" altLang="ko-KR" dirty="0"/>
+              <a:t> 2.x – </a:t>
+            </a:r>
+            <a:r>
+              <a:rPr lang="en-US" altLang="ko-KR" dirty="0" err="1"/>
+              <a:t>cudua</a:t>
+            </a:r>
+            <a:r>
+              <a:rPr lang="en-US" altLang="ko-KR" dirty="0"/>
+              <a:t> 10.x, 11.x , </a:t>
+            </a:r>
+          </a:p>
+          <a:p>
+            <a:endParaRPr lang="en-US" altLang="ko-KR" dirty="0"/>
+          </a:p>
+          <a:p>
+            <a:endParaRPr lang="en-US" altLang="ko-KR" dirty="0"/>
+          </a:p>
+          <a:p>
+            <a:r>
+              <a:rPr lang="en-US" altLang="ko-KR" dirty="0"/>
+              <a:t>https://lv99.tistory.com/12  </a:t>
+            </a:r>
+          </a:p>
+          <a:p>
+            <a:r>
+              <a:rPr lang="en-US" altLang="ko-KR" dirty="0"/>
+              <a:t>https://velog.io/@hanovator/tensorflow-multi-gpu-%EC%84%A4%EC%A0%95%EB%B0%A9%EB%B2%95</a:t>
+            </a:r>
+          </a:p>
+          <a:p>
+            <a:r>
+              <a:rPr lang="en-US" altLang="ko-KR" dirty="0"/>
+              <a:t> </a:t>
+            </a:r>
+            <a:r>
+              <a:rPr lang="en-US" altLang="ko-KR" dirty="0" err="1"/>
+              <a:t>gpu</a:t>
+            </a:r>
+            <a:r>
+              <a:rPr lang="ko-KR" altLang="en-US" dirty="0" err="1"/>
+              <a:t>여러개</a:t>
+            </a:r>
+            <a:r>
+              <a:rPr lang="ko-KR" altLang="en-US" dirty="0"/>
+              <a:t> 활용 </a:t>
+            </a:r>
+            <a:r>
+              <a:rPr lang="en-US" altLang="ko-KR" dirty="0"/>
+              <a:t>(</a:t>
+            </a:r>
+            <a:r>
+              <a:rPr lang="en-US" altLang="ko-KR" dirty="0" err="1"/>
+              <a:t>tf</a:t>
+            </a:r>
+            <a:r>
+              <a:rPr lang="en-US" altLang="ko-KR" dirty="0"/>
+              <a:t> – 2.3 </a:t>
+            </a:r>
+            <a:r>
+              <a:rPr lang="ko-KR" altLang="en-US" dirty="0"/>
+              <a:t>버전 이상</a:t>
+            </a:r>
+            <a:r>
+              <a:rPr lang="en-US" altLang="ko-KR" dirty="0"/>
+              <a:t>)</a:t>
+            </a:r>
+          </a:p>
+          <a:p>
+            <a:endParaRPr lang="en-US" altLang="ko-KR" dirty="0"/>
+          </a:p>
+          <a:p>
+            <a:endParaRPr lang="en-US" altLang="ko-KR" dirty="0"/>
+          </a:p>
+          <a:p>
+            <a:endParaRPr lang="en-US" altLang="ko-KR" dirty="0"/>
+          </a:p>
+          <a:p>
+            <a:r>
+              <a:rPr lang="en-US" altLang="ko-KR" dirty="0"/>
+              <a:t>https://ffoorreeuunn.tistory.com/244  </a:t>
+            </a:r>
+            <a:r>
+              <a:rPr lang="ko-KR" altLang="en-US" dirty="0" err="1"/>
+              <a:t>코랩</a:t>
+            </a:r>
+            <a:r>
+              <a:rPr lang="ko-KR" altLang="en-US" dirty="0"/>
+              <a:t> 대강 설명 해주기 </a:t>
+            </a:r>
+            <a:r>
+              <a:rPr lang="en-US" altLang="ko-KR" dirty="0"/>
+              <a:t>-&gt; </a:t>
+            </a:r>
+            <a:r>
+              <a:rPr lang="ko-KR" altLang="en-US" dirty="0"/>
+              <a:t>이걸로 일단은 개발 진행 할거임</a:t>
+            </a:r>
+          </a:p>
+          <a:p>
             <a:endParaRPr lang="ko-KR" altLang="en-US" dirty="0"/>
           </a:p>
         </p:txBody>
@@ -6748,6 +7005,95 @@
           </a:prstGeom>
         </p:spPr>
       </p:pic>
+      <p:sp>
+        <p:nvSpPr>
+          <p:cNvPr id="9" name="TextBox 8">
+            <a:extLst>
+              <a:ext uri="{FF2B5EF4-FFF2-40B4-BE49-F238E27FC236}">
+                <a16:creationId xmlns:a16="http://schemas.microsoft.com/office/drawing/2014/main" id="{A3141E19-54C5-4ED4-8145-35872916D9CA}"/>
+              </a:ext>
+            </a:extLst>
+          </p:cNvPr>
+          <p:cNvSpPr txBox="1"/>
+          <p:nvPr/>
+        </p:nvSpPr>
+        <p:spPr>
+          <a:xfrm>
+            <a:off x="5240216" y="117102"/>
+            <a:ext cx="6951783" cy="2308324"/>
+          </a:xfrm>
+          <a:prstGeom prst="rect">
+            <a:avLst/>
+          </a:prstGeom>
+          <a:noFill/>
+        </p:spPr>
+        <p:txBody>
+          <a:bodyPr wrap="square">
+            <a:spAutoFit/>
+          </a:bodyPr>
+          <a:lstStyle/>
+          <a:p>
+            <a:r>
+              <a:rPr lang="en-US" altLang="ko-KR" dirty="0"/>
+              <a:t>https://ffoorreeuunn.tistory.com/244  </a:t>
+            </a:r>
+            <a:r>
+              <a:rPr lang="ko-KR" altLang="en-US" dirty="0" err="1"/>
+              <a:t>코랩</a:t>
+            </a:r>
+            <a:r>
+              <a:rPr lang="ko-KR" altLang="en-US" dirty="0"/>
+              <a:t> 대강 설명 해주기 </a:t>
+            </a:r>
+            <a:r>
+              <a:rPr lang="en-US" altLang="ko-KR" dirty="0"/>
+              <a:t>-&gt; </a:t>
+            </a:r>
+            <a:r>
+              <a:rPr lang="ko-KR" altLang="en-US" dirty="0"/>
+              <a:t>이걸로 일단은 개발 진행 할거임</a:t>
+            </a:r>
+            <a:endParaRPr lang="en-US" altLang="ko-KR" dirty="0"/>
+          </a:p>
+          <a:p>
+            <a:endParaRPr lang="en-US" altLang="ko-KR" dirty="0"/>
+          </a:p>
+          <a:p>
+            <a:r>
+              <a:rPr lang="ko-KR" altLang="en-US" dirty="0"/>
+              <a:t>기존 학습 모델</a:t>
+            </a:r>
+            <a:endParaRPr lang="en-US" altLang="ko-KR" dirty="0"/>
+          </a:p>
+          <a:p>
+            <a:r>
+              <a:rPr lang="en-US" altLang="ko-KR" dirty="0" err="1"/>
+              <a:t>Imagenet</a:t>
+            </a:r>
+            <a:r>
+              <a:rPr lang="en-US" altLang="ko-KR" dirty="0"/>
+              <a:t> dataset</a:t>
+            </a:r>
+          </a:p>
+          <a:p>
+            <a:endParaRPr lang="en-US" altLang="ko-KR" dirty="0"/>
+          </a:p>
+          <a:p>
+            <a:r>
+              <a:rPr lang="ko-KR" altLang="en-US" dirty="0"/>
+              <a:t>사용할 데이터</a:t>
+            </a:r>
+            <a:endParaRPr lang="en-US" altLang="ko-KR" dirty="0"/>
+          </a:p>
+          <a:p>
+            <a:r>
+              <a:rPr lang="en-US" altLang="ko-KR" dirty="0"/>
+              <a:t>https://public.roboflow.com/classification/rock-paper-scissors</a:t>
+            </a:r>
+            <a:endParaRPr lang="ko-KR" altLang="en-US" dirty="0"/>
+          </a:p>
+        </p:txBody>
+      </p:sp>
     </p:spTree>
     <p:extLst>
       <p:ext uri="{BB962C8B-B14F-4D97-AF65-F5344CB8AC3E}">
